--- a/R_inproduction.pptx
+++ b/R_inproduction.pptx
@@ -3674,6 +3674,76 @@
               <a:t>6</a:t>
             </a:fld>
             <a:endParaRPr lang="en-US" dirty="0"/>
+          </a:p>
+        </p:txBody>
+      </p:sp>
+      <p:sp>
+        <p:nvSpPr>
+          <p:cNvPr id="7" name="TextBox 6">
+            <a:extLst>
+              <a:ext uri="{FF2B5EF4-FFF2-40B4-BE49-F238E27FC236}">
+                <a16:creationId xmlns:a16="http://schemas.microsoft.com/office/drawing/2014/main" id="{3B2CDAA2-CF85-4340-A512-D6488C9D5797}"/>
+              </a:ext>
+            </a:extLst>
+          </p:cNvPr>
+          <p:cNvSpPr txBox="1"/>
+          <p:nvPr/>
+        </p:nvSpPr>
+        <p:spPr>
+          <a:xfrm>
+            <a:off x="822823" y="4741295"/>
+            <a:ext cx="6098458" cy="369332"/>
+          </a:xfrm>
+          <a:prstGeom prst="rect">
+            <a:avLst/>
+          </a:prstGeom>
+          <a:noFill/>
+        </p:spPr>
+        <p:txBody>
+          <a:bodyPr wrap="square">
+            <a:spAutoFit/>
+          </a:bodyPr>
+          <a:lstStyle/>
+          <a:p>
+            <a:r>
+              <a:rPr lang="en-US" dirty="0"/>
+              <a:t>https://github.com/mredzuan/R_in_production</a:t>
+            </a:r>
+          </a:p>
+        </p:txBody>
+      </p:sp>
+      <p:sp>
+        <p:nvSpPr>
+          <p:cNvPr id="8" name="TextBox 7">
+            <a:extLst>
+              <a:ext uri="{FF2B5EF4-FFF2-40B4-BE49-F238E27FC236}">
+                <a16:creationId xmlns:a16="http://schemas.microsoft.com/office/drawing/2014/main" id="{411D2F92-43DE-4162-AA90-5F48B9DB60C1}"/>
+              </a:ext>
+            </a:extLst>
+          </p:cNvPr>
+          <p:cNvSpPr txBox="1"/>
+          <p:nvPr/>
+        </p:nvSpPr>
+        <p:spPr>
+          <a:xfrm>
+            <a:off x="822823" y="4275587"/>
+            <a:ext cx="2896690" cy="584775"/>
+          </a:xfrm>
+          <a:prstGeom prst="rect">
+            <a:avLst/>
+          </a:prstGeom>
+          <a:noFill/>
+        </p:spPr>
+        <p:txBody>
+          <a:bodyPr wrap="none" rtlCol="0">
+            <a:spAutoFit/>
+          </a:bodyPr>
+          <a:lstStyle/>
+          <a:p>
+            <a:r>
+              <a:rPr lang="en-US" sz="3200" dirty="0"/>
+              <a:t>Feel free to Fork</a:t>
+            </a:r>
           </a:p>
         </p:txBody>
       </p:sp>
